--- a/Final Presentation.pptx
+++ b/Final Presentation.pptx
@@ -6710,8 +6710,15 @@
               </a:lnSpc>
             </a:pPr>
             <a:r>
-              <a:rPr lang="en-US"/>
-              <a:t>Paper Abstract Search 	</a:t>
+              <a:rPr lang="en-US" dirty="0"/>
+              <a:t>Academic Paper</a:t>
+            </a:r>
+            <a:br>
+              <a:rPr lang="en-US" dirty="0"/>
+            </a:br>
+            <a:r>
+              <a:rPr lang="en-US" dirty="0"/>
+              <a:t>Search 	</a:t>
             </a:r>
           </a:p>
         </p:txBody>
@@ -6750,7 +6757,7 @@
               </a:lnSpc>
             </a:pPr>
             <a:r>
-              <a:rPr lang="en-US" sz="1700"/>
+              <a:rPr lang="en-US" sz="1700" dirty="0"/>
               <a:t>Team :</a:t>
             </a:r>
           </a:p>
@@ -6761,33 +6768,23 @@
               </a:lnSpc>
             </a:pPr>
             <a:r>
-              <a:rPr lang="en-US" sz="1700" b="0" i="0">
+              <a:rPr lang="en-US" sz="1700" b="0" i="0" dirty="0">
                 <a:effectLst/>
                 <a:latin typeface="Lato Extended"/>
               </a:rPr>
               <a:t>Kinori Rosnow (KSR43@pitt.edu )</a:t>
             </a:r>
             <a:br>
-              <a:rPr lang="en-US" sz="1700"/>
+              <a:rPr lang="en-US" sz="1700" dirty="0"/>
             </a:br>
             <a:r>
-              <a:rPr lang="en-US" sz="1700" b="0" i="0">
-                <a:effectLst/>
-                <a:latin typeface="Lato Extended"/>
-              </a:rPr>
-              <a:t>Kwesi Aguillera (KRA40@pitt.edu )</a:t>
-            </a:r>
-            <a:br>
-              <a:rPr lang="en-US" sz="1700"/>
-            </a:br>
-            <a:r>
-              <a:rPr lang="en-US" sz="1700" b="0" i="0">
+              <a:rPr lang="en-US" sz="1700" b="0" i="0" dirty="0">
                 <a:effectLst/>
                 <a:latin typeface="Lato Extended"/>
               </a:rPr>
               <a:t>Shubhrika Sehgal (SHS253@pitt.edu )</a:t>
             </a:r>
-            <a:endParaRPr lang="en-US" sz="1700"/>
+            <a:endParaRPr lang="en-US" sz="1700" dirty="0"/>
           </a:p>
         </p:txBody>
       </p:sp>
@@ -9481,6 +9478,14 @@
               <a:buFont typeface="Arial" panose="020B0604020202020204" pitchFamily="34" charset="0"/>
               <a:buChar char="•"/>
             </a:pPr>
+            <a:r>
+              <a:rPr lang="en-US" dirty="0"/>
+              <a:t>Parsing our data to retrieve the subject and </a:t>
+            </a:r>
+            <a:r>
+              <a:rPr lang="en-US"/>
+              <a:t>main content</a:t>
+            </a:r>
             <a:endParaRPr lang="en-US" dirty="0"/>
           </a:p>
         </p:txBody>
